--- a/Documentation/project.pptx
+++ b/Documentation/project.pptx
@@ -5183,8 +5183,8 @@
         </p:nvSpPr>
         <p:spPr>
           <a:xfrm>
-            <a:off x="750641" y="2215341"/>
-            <a:ext cx="8376592" cy="1077218"/>
+            <a:off x="1907704" y="2407195"/>
+            <a:ext cx="9012832" cy="1323439"/>
           </a:xfrm>
           <a:prstGeom prst="rect">
             <a:avLst/>
@@ -5197,18 +5197,36 @@
           </a:bodyPr>
           <a:lstStyle/>
           <a:p>
-            <a:r>
-              <a:rPr lang="ru-RU" sz="3200" dirty="0">
-                <a:latin typeface="Times New Roman" panose="02020603050405020304" pitchFamily="18" charset="0"/>
+            <a:pPr algn="ctr"/>
+            <a:r>
+              <a:rPr lang="ru-RU" sz="4000" b="1" dirty="0">
+                <a:solidFill>
+                  <a:srgbClr val="FF0000"/>
+                </a:solidFill>
+                <a:latin typeface="+mj-lt"/>
                 <a:cs typeface="Times New Roman" panose="02020603050405020304" pitchFamily="18" charset="0"/>
               </a:rPr>
-              <a:t>Помощник по составлению учебного расписания</a:t>
-            </a:r>
-            <a:r>
-              <a:rPr lang="en-US" sz="3200" dirty="0"/>
-              <a:t>.</a:t>
-            </a:r>
-            <a:endParaRPr lang="ru-RU" sz="3200" dirty="0"/>
+              <a:t>Помощник </a:t>
+            </a:r>
+          </a:p>
+          <a:p>
+            <a:pPr algn="ctr"/>
+            <a:r>
+              <a:rPr lang="ru-RU" sz="4000" b="1" dirty="0">
+                <a:solidFill>
+                  <a:srgbClr val="FF0000"/>
+                </a:solidFill>
+                <a:latin typeface="+mj-lt"/>
+                <a:cs typeface="Times New Roman" panose="02020603050405020304" pitchFamily="18" charset="0"/>
+              </a:rPr>
+              <a:t>по составлению учебного расписания</a:t>
+            </a:r>
+            <a:endParaRPr lang="ru-RU" sz="4000" b="1" dirty="0">
+              <a:solidFill>
+                <a:srgbClr val="FF0000"/>
+              </a:solidFill>
+              <a:latin typeface="+mj-lt"/>
+            </a:endParaRPr>
           </a:p>
         </p:txBody>
       </p:sp>
@@ -5271,7 +5289,7 @@
         <p:spPr>
           <a:xfrm>
             <a:off x="911424" y="2276872"/>
-            <a:ext cx="7704856" cy="958660"/>
+            <a:ext cx="10081120" cy="1318181"/>
           </a:xfrm>
           <a:prstGeom prst="rect">
             <a:avLst/>
@@ -5290,36 +5308,51 @@
               </a:lnSpc>
             </a:pPr>
             <a:r>
-              <a:rPr lang="ru-RU" sz="2000" dirty="0">
-                <a:latin typeface="Times New Roman" panose="02020603050405020304" pitchFamily="18" charset="0"/>
+              <a:rPr lang="ru-RU" sz="2800" dirty="0">
+                <a:solidFill>
+                  <a:srgbClr val="001B4B"/>
+                </a:solidFill>
+                <a:latin typeface="+mn-lt"/>
                 <a:cs typeface="Times New Roman" panose="02020603050405020304" pitchFamily="18" charset="0"/>
               </a:rPr>
               <a:t>Работу выполнил обучающийся 10 Т класса ОЦ </a:t>
             </a:r>
             <a:r>
-              <a:rPr lang="en-US" sz="2000" dirty="0">
-                <a:latin typeface="Times New Roman" panose="02020603050405020304" pitchFamily="18" charset="0"/>
+              <a:rPr lang="en-US" sz="2800" dirty="0">
+                <a:solidFill>
+                  <a:srgbClr val="001B4B"/>
+                </a:solidFill>
+                <a:latin typeface="+mn-lt"/>
                 <a:cs typeface="Times New Roman" panose="02020603050405020304" pitchFamily="18" charset="0"/>
               </a:rPr>
               <a:t>“</a:t>
             </a:r>
             <a:r>
-              <a:rPr lang="ru-RU" sz="2000" dirty="0">
-                <a:latin typeface="Times New Roman" panose="02020603050405020304" pitchFamily="18" charset="0"/>
+              <a:rPr lang="ru-RU" sz="2800" dirty="0">
+                <a:solidFill>
+                  <a:srgbClr val="001B4B"/>
+                </a:solidFill>
+                <a:latin typeface="+mn-lt"/>
                 <a:cs typeface="Times New Roman" panose="02020603050405020304" pitchFamily="18" charset="0"/>
               </a:rPr>
               <a:t>Протон</a:t>
             </a:r>
             <a:r>
-              <a:rPr lang="en-US" sz="2000" dirty="0">
-                <a:latin typeface="Times New Roman" panose="02020603050405020304" pitchFamily="18" charset="0"/>
+              <a:rPr lang="en-US" sz="2800" dirty="0">
+                <a:solidFill>
+                  <a:srgbClr val="001B4B"/>
+                </a:solidFill>
+                <a:latin typeface="+mn-lt"/>
                 <a:cs typeface="Times New Roman" panose="02020603050405020304" pitchFamily="18" charset="0"/>
               </a:rPr>
               <a:t>”</a:t>
             </a:r>
             <a:r>
-              <a:rPr lang="ru-RU" sz="2000" dirty="0">
-                <a:latin typeface="Times New Roman" panose="02020603050405020304" pitchFamily="18" charset="0"/>
+              <a:rPr lang="ru-RU" sz="2800" dirty="0">
+                <a:solidFill>
+                  <a:srgbClr val="001B4B"/>
+                </a:solidFill>
+                <a:latin typeface="+mn-lt"/>
                 <a:cs typeface="Times New Roman" panose="02020603050405020304" pitchFamily="18" charset="0"/>
               </a:rPr>
               <a:t>, а также ученик лицея академии Яндекса - Федяев Александр.</a:t>
@@ -5341,8 +5374,8 @@
         </p:nvSpPr>
         <p:spPr>
           <a:xfrm>
-            <a:off x="8040216" y="1412776"/>
-            <a:ext cx="3600400" cy="400110"/>
+            <a:off x="1847528" y="404664"/>
+            <a:ext cx="7704856" cy="646331"/>
           </a:xfrm>
           <a:prstGeom prst="rect">
             <a:avLst/>
@@ -5356,8 +5389,11 @@
           <a:lstStyle/>
           <a:p>
             <a:r>
-              <a:rPr lang="ru-RU" sz="2000" dirty="0">
-                <a:latin typeface="Times New Roman" panose="02020603050405020304" pitchFamily="18" charset="0"/>
+              <a:rPr lang="ru-RU" sz="3600" dirty="0">
+                <a:solidFill>
+                  <a:srgbClr val="F05423"/>
+                </a:solidFill>
+                <a:latin typeface="+mj-lt"/>
                 <a:cs typeface="Times New Roman" panose="02020603050405020304" pitchFamily="18" charset="0"/>
               </a:rPr>
               <a:t>Список участников команды</a:t>
@@ -5423,8 +5459,8 @@
         </p:nvSpPr>
         <p:spPr>
           <a:xfrm>
-            <a:off x="8256240" y="1484784"/>
-            <a:ext cx="3672408" cy="400110"/>
+            <a:off x="1055440" y="2492896"/>
+            <a:ext cx="6408712" cy="707886"/>
           </a:xfrm>
           <a:prstGeom prst="rect">
             <a:avLst/>
@@ -5438,8 +5474,11 @@
           <a:lstStyle/>
           <a:p>
             <a:r>
-              <a:rPr lang="ru-RU" sz="2000" dirty="0">
-                <a:latin typeface="Times New Roman" panose="02020603050405020304" pitchFamily="18" charset="0"/>
+              <a:rPr lang="ru-RU" sz="4000" dirty="0">
+                <a:solidFill>
+                  <a:srgbClr val="001B4B"/>
+                </a:solidFill>
+                <a:latin typeface="+mn-lt"/>
                 <a:cs typeface="Times New Roman" panose="02020603050405020304" pitchFamily="18" charset="0"/>
               </a:rPr>
               <a:t>Спасибо за внимание</a:t>
@@ -5505,8 +5544,8 @@
         </p:nvSpPr>
         <p:spPr>
           <a:xfrm>
-            <a:off x="839416" y="2420888"/>
-            <a:ext cx="8304584" cy="1420325"/>
+            <a:off x="911424" y="2348880"/>
+            <a:ext cx="9793088" cy="2600199"/>
           </a:xfrm>
           <a:prstGeom prst="rect">
             <a:avLst/>
@@ -5525,25 +5564,34 @@
               </a:lnSpc>
             </a:pPr>
             <a:r>
-              <a:rPr lang="ru-RU" sz="2000" dirty="0">
-                <a:latin typeface="Times New Roman" panose="02020603050405020304" pitchFamily="18" charset="0"/>
+              <a:rPr lang="ru-RU" sz="2800" dirty="0">
+                <a:solidFill>
+                  <a:srgbClr val="001949"/>
+                </a:solidFill>
+                <a:latin typeface="+mn-lt"/>
                 <a:cs typeface="Times New Roman" panose="02020603050405020304" pitchFamily="18" charset="0"/>
               </a:rPr>
-              <a:t>Главной проблемой многих учителей является долгое и совсем не автоматизированное выполнение многих функций</a:t>
-            </a:r>
-            <a:r>
-              <a:rPr lang="en-US" sz="2000" dirty="0">
-                <a:latin typeface="Times New Roman" panose="02020603050405020304" pitchFamily="18" charset="0"/>
+              <a:t>Главной проблемой многих учителей является продолжительное и совсем не автоматизированное выполнение многих функций</a:t>
+            </a:r>
+            <a:r>
+              <a:rPr lang="en-US" sz="2800" dirty="0">
+                <a:solidFill>
+                  <a:srgbClr val="001949"/>
+                </a:solidFill>
+                <a:latin typeface="+mn-lt"/>
                 <a:cs typeface="Times New Roman" panose="02020603050405020304" pitchFamily="18" charset="0"/>
               </a:rPr>
               <a:t>.</a:t>
             </a:r>
             <a:r>
-              <a:rPr lang="ru-RU" sz="2000" dirty="0">
-                <a:latin typeface="Times New Roman" panose="02020603050405020304" pitchFamily="18" charset="0"/>
+              <a:rPr lang="ru-RU" sz="2800" dirty="0">
+                <a:solidFill>
+                  <a:srgbClr val="001949"/>
+                </a:solidFill>
+                <a:latin typeface="+mn-lt"/>
                 <a:cs typeface="Times New Roman" panose="02020603050405020304" pitchFamily="18" charset="0"/>
               </a:rPr>
-              <a:t> Например, выгрузка данных учителя.</a:t>
+              <a:t> Например, выгрузка данных учителя</a:t>
             </a:r>
           </a:p>
         </p:txBody>
@@ -5562,8 +5610,8 @@
         </p:nvSpPr>
         <p:spPr>
           <a:xfrm>
-            <a:off x="9624392" y="1412776"/>
-            <a:ext cx="1656184" cy="400110"/>
+            <a:off x="1847528" y="332656"/>
+            <a:ext cx="2664296" cy="646331"/>
           </a:xfrm>
           <a:prstGeom prst="rect">
             <a:avLst/>
@@ -5577,8 +5625,11 @@
           <a:lstStyle/>
           <a:p>
             <a:r>
-              <a:rPr lang="ru-RU" sz="2000" dirty="0">
-                <a:latin typeface="Times New Roman" panose="02020603050405020304" pitchFamily="18" charset="0"/>
+              <a:rPr lang="ru-RU" sz="3600" b="1" cap="small" dirty="0">
+                <a:solidFill>
+                  <a:srgbClr val="F05423"/>
+                </a:solidFill>
+                <a:latin typeface="+mj-lt"/>
                 <a:cs typeface="Times New Roman" panose="02020603050405020304" pitchFamily="18" charset="0"/>
               </a:rPr>
               <a:t>Проблема</a:t>
@@ -5645,7 +5696,7 @@
         <p:spPr>
           <a:xfrm>
             <a:off x="623392" y="2420888"/>
-            <a:ext cx="8448600" cy="958660"/>
+            <a:ext cx="8448600" cy="1964512"/>
           </a:xfrm>
           <a:prstGeom prst="rect">
             <a:avLst/>
@@ -5664,11 +5715,14 @@
               </a:lnSpc>
             </a:pPr>
             <a:r>
-              <a:rPr lang="ru-RU" sz="2000" dirty="0">
-                <a:latin typeface="Times New Roman" panose="02020603050405020304" pitchFamily="18" charset="0"/>
+              <a:rPr lang="ru-RU" sz="2800" dirty="0">
+                <a:solidFill>
+                  <a:srgbClr val="001A4A"/>
+                </a:solidFill>
+                <a:latin typeface="+mn-lt"/>
                 <a:cs typeface="Times New Roman" panose="02020603050405020304" pitchFamily="18" charset="0"/>
               </a:rPr>
-              <a:t>Практически полностью автоматизировать работу человека, который составляет учебный план учителей и классов.</a:t>
+              <a:t>Практически полностью автоматизировать работу человека, который составляет учебный план учителей и классов</a:t>
             </a:r>
           </a:p>
         </p:txBody>
@@ -5687,8 +5741,8 @@
         </p:nvSpPr>
         <p:spPr>
           <a:xfrm>
-            <a:off x="9408368" y="1412776"/>
-            <a:ext cx="2783632" cy="400110"/>
+            <a:off x="1847528" y="404664"/>
+            <a:ext cx="4968552" cy="646331"/>
           </a:xfrm>
           <a:prstGeom prst="rect">
             <a:avLst/>
@@ -5702,21 +5756,30 @@
           <a:lstStyle/>
           <a:p>
             <a:r>
-              <a:rPr lang="ru-RU" sz="2000" dirty="0">
+              <a:rPr lang="ru-RU" sz="3600" dirty="0">
+                <a:solidFill>
+                  <a:srgbClr val="F05423"/>
+                </a:solidFill>
                 <a:latin typeface="Times New Roman" panose="02020603050405020304" pitchFamily="18" charset="0"/>
                 <a:cs typeface="Times New Roman" panose="02020603050405020304" pitchFamily="18" charset="0"/>
               </a:rPr>
               <a:t>Решение</a:t>
             </a:r>
             <a:r>
-              <a:rPr lang="en-US" sz="2000" dirty="0">
+              <a:rPr lang="en-US" sz="3600" dirty="0">
+                <a:solidFill>
+                  <a:srgbClr val="F05423"/>
+                </a:solidFill>
                 <a:latin typeface="Times New Roman" panose="02020603050405020304" pitchFamily="18" charset="0"/>
                 <a:cs typeface="Times New Roman" panose="02020603050405020304" pitchFamily="18" charset="0"/>
               </a:rPr>
               <a:t> </a:t>
             </a:r>
             <a:r>
-              <a:rPr lang="ru-RU" sz="2000" dirty="0">
+              <a:rPr lang="ru-RU" sz="3600" dirty="0">
+                <a:solidFill>
+                  <a:srgbClr val="F05423"/>
+                </a:solidFill>
                 <a:latin typeface="Times New Roman" panose="02020603050405020304" pitchFamily="18" charset="0"/>
                 <a:cs typeface="Times New Roman" panose="02020603050405020304" pitchFamily="18" charset="0"/>
               </a:rPr>
@@ -5783,8 +5846,8 @@
         </p:nvSpPr>
         <p:spPr>
           <a:xfrm>
-            <a:off x="767408" y="2132856"/>
-            <a:ext cx="8448600" cy="2915542"/>
+            <a:off x="551384" y="1628800"/>
+            <a:ext cx="11089232" cy="4003788"/>
           </a:xfrm>
           <a:prstGeom prst="rect">
             <a:avLst/>
@@ -5806,20 +5869,17 @@
               </a:spcAft>
             </a:pPr>
             <a:r>
-              <a:rPr lang="ru-RU" sz="2000" dirty="0">
+              <a:rPr lang="ru-RU" sz="2800" dirty="0">
+                <a:solidFill>
+                  <a:srgbClr val="001A4A"/>
+                </a:solidFill>
                 <a:effectLst/>
-                <a:latin typeface="Times New Roman" panose="02020603050405020304" pitchFamily="18" charset="0"/>
+                <a:latin typeface="+mn-lt"/>
                 <a:ea typeface="Calibri" panose="020F0502020204030204" pitchFamily="34" charset="0"/>
                 <a:cs typeface="Times New Roman" panose="02020603050405020304" pitchFamily="18" charset="0"/>
               </a:rPr>
               <a:t>На данный момент существует совсем небольшое количество подобных программ. Но если посмотреть на отзывы данных программ, то можно понять, что практически все работают некорректно или не имеют нужное количество необходимого функционала.</a:t>
             </a:r>
-            <a:endParaRPr lang="ru-RU" sz="2000" dirty="0">
-              <a:effectLst/>
-              <a:latin typeface="Calibri" panose="020F0502020204030204" pitchFamily="34" charset="0"/>
-              <a:ea typeface="Calibri" panose="020F0502020204030204" pitchFamily="34" charset="0"/>
-              <a:cs typeface="Times New Roman" panose="02020603050405020304" pitchFamily="18" charset="0"/>
-            </a:endParaRPr>
           </a:p>
           <a:p>
             <a:pPr algn="just">
@@ -5831,101 +5891,125 @@
               </a:spcAft>
             </a:pPr>
             <a:r>
-              <a:rPr lang="ru-RU" sz="2000" dirty="0">
+              <a:rPr lang="ru-RU" sz="2800" dirty="0">
+                <a:solidFill>
+                  <a:srgbClr val="001A4A"/>
+                </a:solidFill>
                 <a:effectLst/>
-                <a:latin typeface="Times New Roman" panose="02020603050405020304" pitchFamily="18" charset="0"/>
+                <a:latin typeface="+mn-lt"/>
                 <a:ea typeface="Calibri" panose="020F0502020204030204" pitchFamily="34" charset="0"/>
                 <a:cs typeface="Times New Roman" panose="02020603050405020304" pitchFamily="18" charset="0"/>
               </a:rPr>
               <a:t>Были рассмотрены такое программы и сайты как </a:t>
             </a:r>
             <a:r>
-              <a:rPr lang="en-US" sz="2000" dirty="0">
+              <a:rPr lang="en-US" sz="2800" dirty="0">
+                <a:solidFill>
+                  <a:srgbClr val="001A4A"/>
+                </a:solidFill>
                 <a:effectLst/>
-                <a:latin typeface="Times New Roman" panose="02020603050405020304" pitchFamily="18" charset="0"/>
+                <a:latin typeface="+mn-lt"/>
                 <a:ea typeface="Calibri" panose="020F0502020204030204" pitchFamily="34" charset="0"/>
                 <a:cs typeface="Times New Roman" panose="02020603050405020304" pitchFamily="18" charset="0"/>
               </a:rPr>
               <a:t>TIMETABLE</a:t>
             </a:r>
             <a:r>
-              <a:rPr lang="ru-RU" sz="2000" dirty="0">
+              <a:rPr lang="ru-RU" sz="2800" dirty="0">
+                <a:solidFill>
+                  <a:srgbClr val="001A4A"/>
+                </a:solidFill>
                 <a:effectLst/>
-                <a:latin typeface="Times New Roman" panose="02020603050405020304" pitchFamily="18" charset="0"/>
+                <a:latin typeface="+mn-lt"/>
                 <a:ea typeface="Calibri" panose="020F0502020204030204" pitchFamily="34" charset="0"/>
                 <a:cs typeface="Times New Roman" panose="02020603050405020304" pitchFamily="18" charset="0"/>
               </a:rPr>
               <a:t>, </a:t>
             </a:r>
             <a:r>
-              <a:rPr lang="en-US" sz="2000" dirty="0" err="1">
+              <a:rPr lang="en-US" sz="2800" dirty="0" err="1">
+                <a:solidFill>
+                  <a:srgbClr val="001A4A"/>
+                </a:solidFill>
                 <a:effectLst/>
-                <a:latin typeface="Times New Roman" panose="02020603050405020304" pitchFamily="18" charset="0"/>
+                <a:latin typeface="+mn-lt"/>
                 <a:ea typeface="Calibri" panose="020F0502020204030204" pitchFamily="34" charset="0"/>
                 <a:cs typeface="Times New Roman" panose="02020603050405020304" pitchFamily="18" charset="0"/>
               </a:rPr>
               <a:t>uchportal</a:t>
             </a:r>
             <a:r>
-              <a:rPr lang="ru-RU" sz="2000" dirty="0">
+              <a:rPr lang="ru-RU" sz="2800" dirty="0">
+                <a:solidFill>
+                  <a:srgbClr val="001A4A"/>
+                </a:solidFill>
                 <a:effectLst/>
-                <a:latin typeface="Times New Roman" panose="02020603050405020304" pitchFamily="18" charset="0"/>
+                <a:latin typeface="+mn-lt"/>
                 <a:ea typeface="Calibri" panose="020F0502020204030204" pitchFamily="34" charset="0"/>
                 <a:cs typeface="Times New Roman" panose="02020603050405020304" pitchFamily="18" charset="0"/>
               </a:rPr>
               <a:t>, </a:t>
             </a:r>
             <a:r>
-              <a:rPr lang="en-US" sz="2000" dirty="0" err="1">
+              <a:rPr lang="en-US" sz="2800" dirty="0" err="1">
+                <a:solidFill>
+                  <a:srgbClr val="001A4A"/>
+                </a:solidFill>
                 <a:effectLst/>
-                <a:latin typeface="Times New Roman" panose="02020603050405020304" pitchFamily="18" charset="0"/>
+                <a:latin typeface="+mn-lt"/>
                 <a:ea typeface="Calibri" panose="020F0502020204030204" pitchFamily="34" charset="0"/>
                 <a:cs typeface="Times New Roman" panose="02020603050405020304" pitchFamily="18" charset="0"/>
               </a:rPr>
               <a:t>canva</a:t>
             </a:r>
             <a:r>
-              <a:rPr lang="en-US" sz="2000" dirty="0">
+              <a:rPr lang="en-US" sz="2800" dirty="0">
+                <a:solidFill>
+                  <a:srgbClr val="001A4A"/>
+                </a:solidFill>
                 <a:effectLst/>
-                <a:latin typeface="Times New Roman" panose="02020603050405020304" pitchFamily="18" charset="0"/>
+                <a:latin typeface="+mn-lt"/>
                 <a:ea typeface="Calibri" panose="020F0502020204030204" pitchFamily="34" charset="0"/>
                 <a:cs typeface="Times New Roman" panose="02020603050405020304" pitchFamily="18" charset="0"/>
               </a:rPr>
               <a:t> </a:t>
             </a:r>
             <a:r>
-              <a:rPr lang="ru-RU" sz="2000" dirty="0">
+              <a:rPr lang="ru-RU" sz="2800" dirty="0">
+                <a:solidFill>
+                  <a:srgbClr val="001A4A"/>
+                </a:solidFill>
                 <a:effectLst/>
-                <a:latin typeface="Times New Roman" panose="02020603050405020304" pitchFamily="18" charset="0"/>
+                <a:latin typeface="+mn-lt"/>
                 <a:ea typeface="Calibri" panose="020F0502020204030204" pitchFamily="34" charset="0"/>
                 <a:cs typeface="Times New Roman" panose="02020603050405020304" pitchFamily="18" charset="0"/>
               </a:rPr>
               <a:t>и </a:t>
             </a:r>
             <a:r>
-              <a:rPr lang="ru-RU" sz="2000" dirty="0" err="1">
+              <a:rPr lang="ru-RU" sz="2800" dirty="0" err="1">
+                <a:solidFill>
+                  <a:srgbClr val="001A4A"/>
+                </a:solidFill>
                 <a:effectLst/>
-                <a:latin typeface="Times New Roman" panose="02020603050405020304" pitchFamily="18" charset="0"/>
+                <a:latin typeface="+mn-lt"/>
                 <a:ea typeface="Calibri" panose="020F0502020204030204" pitchFamily="34" charset="0"/>
                 <a:cs typeface="Times New Roman" panose="02020603050405020304" pitchFamily="18" charset="0"/>
               </a:rPr>
               <a:t>составительрасписания.рф</a:t>
             </a:r>
             <a:r>
-              <a:rPr lang="ru-RU" sz="2000" dirty="0">
+              <a:rPr lang="ru-RU" sz="2800" dirty="0">
+                <a:solidFill>
+                  <a:srgbClr val="001A4A"/>
+                </a:solidFill>
                 <a:effectLst/>
-                <a:latin typeface="Times New Roman" panose="02020603050405020304" pitchFamily="18" charset="0"/>
+                <a:latin typeface="+mn-lt"/>
                 <a:ea typeface="Calibri" panose="020F0502020204030204" pitchFamily="34" charset="0"/>
                 <a:cs typeface="Times New Roman" panose="02020603050405020304" pitchFamily="18" charset="0"/>
               </a:rPr>
               <a:t>.</a:t>
             </a:r>
-            <a:endParaRPr lang="ru-RU" sz="2000" dirty="0">
-              <a:effectLst/>
-              <a:latin typeface="Calibri" panose="020F0502020204030204" pitchFamily="34" charset="0"/>
-              <a:ea typeface="Calibri" panose="020F0502020204030204" pitchFamily="34" charset="0"/>
-              <a:cs typeface="Times New Roman" panose="02020603050405020304" pitchFamily="18" charset="0"/>
-            </a:endParaRPr>
           </a:p>
         </p:txBody>
       </p:sp>
@@ -5943,8 +6027,8 @@
         </p:nvSpPr>
         <p:spPr>
           <a:xfrm>
-            <a:off x="9552384" y="1484784"/>
-            <a:ext cx="2232248" cy="400110"/>
+            <a:off x="1847528" y="332656"/>
+            <a:ext cx="4608512" cy="646331"/>
           </a:xfrm>
           <a:prstGeom prst="rect">
             <a:avLst/>
@@ -5958,8 +6042,11 @@
           <a:lstStyle/>
           <a:p>
             <a:r>
-              <a:rPr lang="ru-RU" sz="2000" dirty="0">
-                <a:latin typeface="Times New Roman" panose="02020603050405020304" pitchFamily="18" charset="0"/>
+              <a:rPr lang="ru-RU" sz="3600" dirty="0">
+                <a:solidFill>
+                  <a:srgbClr val="F05423"/>
+                </a:solidFill>
+                <a:latin typeface="+mj-lt"/>
                 <a:cs typeface="Times New Roman" panose="02020603050405020304" pitchFamily="18" charset="0"/>
               </a:rPr>
               <a:t>Конкуренты</a:t>
@@ -6025,8 +6112,8 @@
         </p:nvSpPr>
         <p:spPr>
           <a:xfrm>
-            <a:off x="695400" y="2413338"/>
-            <a:ext cx="8448600" cy="2343655"/>
+            <a:off x="623392" y="1700808"/>
+            <a:ext cx="10729192" cy="3246530"/>
           </a:xfrm>
           <a:prstGeom prst="rect">
             <a:avLst/>
@@ -6045,36 +6132,51 @@
               </a:lnSpc>
             </a:pPr>
             <a:r>
-              <a:rPr lang="ru-RU" sz="2000" dirty="0">
-                <a:latin typeface="Times New Roman" panose="02020603050405020304" pitchFamily="18" charset="0"/>
+              <a:rPr lang="ru-RU" sz="2800" dirty="0">
+                <a:solidFill>
+                  <a:srgbClr val="112E5A"/>
+                </a:solidFill>
+                <a:latin typeface="+mn-lt"/>
                 <a:cs typeface="Times New Roman" panose="02020603050405020304" pitchFamily="18" charset="0"/>
               </a:rPr>
               <a:t>Данная программа имеет в себе весь необходимый функционал</a:t>
             </a:r>
             <a:r>
-              <a:rPr lang="en-US" sz="2000" dirty="0">
-                <a:latin typeface="Times New Roman" panose="02020603050405020304" pitchFamily="18" charset="0"/>
+              <a:rPr lang="en-US" sz="2800" dirty="0">
+                <a:solidFill>
+                  <a:srgbClr val="112E5A"/>
+                </a:solidFill>
+                <a:latin typeface="+mn-lt"/>
                 <a:cs typeface="Times New Roman" panose="02020603050405020304" pitchFamily="18" charset="0"/>
               </a:rPr>
               <a:t>: </a:t>
             </a:r>
             <a:r>
-              <a:rPr lang="ru-RU" sz="2000" dirty="0">
-                <a:latin typeface="Times New Roman" panose="02020603050405020304" pitchFamily="18" charset="0"/>
+              <a:rPr lang="ru-RU" sz="2800" dirty="0">
+                <a:solidFill>
+                  <a:srgbClr val="112E5A"/>
+                </a:solidFill>
+                <a:latin typeface="+mn-lt"/>
                 <a:cs typeface="Times New Roman" panose="02020603050405020304" pitchFamily="18" charset="0"/>
               </a:rPr>
               <a:t>составление и сохранение учебных планов, удобный просмотр нагрузки учителей и будущий экспорт данных в </a:t>
             </a:r>
             <a:r>
-              <a:rPr lang="en-US" sz="2000" dirty="0">
-                <a:latin typeface="Times New Roman" panose="02020603050405020304" pitchFamily="18" charset="0"/>
+              <a:rPr lang="en-US" sz="2800" dirty="0">
+                <a:solidFill>
+                  <a:srgbClr val="112E5A"/>
+                </a:solidFill>
+                <a:latin typeface="+mn-lt"/>
                 <a:cs typeface="Times New Roman" panose="02020603050405020304" pitchFamily="18" charset="0"/>
               </a:rPr>
               <a:t>word. </a:t>
             </a:r>
             <a:r>
-              <a:rPr lang="ru-RU" sz="2000" dirty="0">
-                <a:latin typeface="Times New Roman" panose="02020603050405020304" pitchFamily="18" charset="0"/>
+              <a:rPr lang="ru-RU" sz="2800" dirty="0">
+                <a:solidFill>
+                  <a:srgbClr val="112E5A"/>
+                </a:solidFill>
+                <a:latin typeface="+mn-lt"/>
                 <a:cs typeface="Times New Roman" panose="02020603050405020304" pitchFamily="18" charset="0"/>
               </a:rPr>
               <a:t>В кооперативе с красивым и удобным интерфейсом, данная программа подойдет даже не особо разбирающимся в компьютерах людям.</a:t>
@@ -6096,8 +6198,8 @@
         </p:nvSpPr>
         <p:spPr>
           <a:xfrm>
-            <a:off x="8760296" y="1484784"/>
-            <a:ext cx="3240360" cy="400110"/>
+            <a:off x="1847528" y="404664"/>
+            <a:ext cx="5472608" cy="646331"/>
           </a:xfrm>
           <a:prstGeom prst="rect">
             <a:avLst/>
@@ -6111,8 +6213,11 @@
           <a:lstStyle/>
           <a:p>
             <a:r>
-              <a:rPr lang="ru-RU" sz="2000" dirty="0">
-                <a:latin typeface="Times New Roman" panose="02020603050405020304" pitchFamily="18" charset="0"/>
+              <a:rPr lang="ru-RU" sz="3600" dirty="0">
+                <a:solidFill>
+                  <a:srgbClr val="F05423"/>
+                </a:solidFill>
+                <a:latin typeface="+mj-lt"/>
                 <a:cs typeface="Times New Roman" panose="02020603050405020304" pitchFamily="18" charset="0"/>
               </a:rPr>
               <a:t>Уникальность решения</a:t>
@@ -6178,8 +6283,8 @@
         </p:nvSpPr>
         <p:spPr>
           <a:xfrm>
-            <a:off x="839416" y="2257172"/>
-            <a:ext cx="6096000" cy="2343655"/>
+            <a:off x="767408" y="1772816"/>
+            <a:ext cx="8784976" cy="2610843"/>
           </a:xfrm>
           <a:prstGeom prst="rect">
             <a:avLst/>
@@ -6198,21 +6303,30 @@
               </a:lnSpc>
             </a:pPr>
             <a:r>
-              <a:rPr lang="ru-RU" sz="2000" dirty="0">
-                <a:latin typeface="Times New Roman" panose="02020603050405020304" pitchFamily="18" charset="0"/>
+              <a:rPr lang="ru-RU" sz="2800" dirty="0">
+                <a:solidFill>
+                  <a:srgbClr val="092856"/>
+                </a:solidFill>
+                <a:latin typeface="+mn-lt"/>
                 <a:cs typeface="Times New Roman" panose="02020603050405020304" pitchFamily="18" charset="0"/>
               </a:rPr>
               <a:t>Архитектура программы состоит из нескольких частей</a:t>
             </a:r>
             <a:r>
-              <a:rPr lang="en-US" sz="2000" dirty="0">
-                <a:latin typeface="Times New Roman" panose="02020603050405020304" pitchFamily="18" charset="0"/>
+              <a:rPr lang="en-US" sz="2800" dirty="0">
+                <a:solidFill>
+                  <a:srgbClr val="092856"/>
+                </a:solidFill>
+                <a:latin typeface="+mn-lt"/>
                 <a:cs typeface="Times New Roman" panose="02020603050405020304" pitchFamily="18" charset="0"/>
               </a:rPr>
               <a:t>:</a:t>
             </a:r>
-            <a:endParaRPr lang="ru-RU" sz="2000" dirty="0">
-              <a:latin typeface="Times New Roman" panose="02020603050405020304" pitchFamily="18" charset="0"/>
+            <a:endParaRPr lang="ru-RU" sz="2800" dirty="0">
+              <a:solidFill>
+                <a:srgbClr val="092856"/>
+              </a:solidFill>
+              <a:latin typeface="+mn-lt"/>
               <a:cs typeface="Times New Roman" panose="02020603050405020304" pitchFamily="18" charset="0"/>
             </a:endParaRPr>
           </a:p>
@@ -6223,15 +6337,21 @@
               </a:lnSpc>
             </a:pPr>
             <a:r>
-              <a:rPr lang="ru-RU" sz="2000" dirty="0">
-                <a:latin typeface="Times New Roman" panose="02020603050405020304" pitchFamily="18" charset="0"/>
+              <a:rPr lang="ru-RU" sz="2800" dirty="0">
+                <a:solidFill>
+                  <a:srgbClr val="092856"/>
+                </a:solidFill>
+                <a:latin typeface="+mn-lt"/>
                 <a:cs typeface="Times New Roman" panose="02020603050405020304" pitchFamily="18" charset="0"/>
               </a:rPr>
               <a:t>1) Визуальная часть, написанная на </a:t>
             </a:r>
             <a:r>
-              <a:rPr lang="en-US" sz="2000" dirty="0">
-                <a:latin typeface="Times New Roman" panose="02020603050405020304" pitchFamily="18" charset="0"/>
+              <a:rPr lang="en-US" sz="2800" dirty="0">
+                <a:solidFill>
+                  <a:srgbClr val="092856"/>
+                </a:solidFill>
+                <a:latin typeface="+mn-lt"/>
                 <a:cs typeface="Times New Roman" panose="02020603050405020304" pitchFamily="18" charset="0"/>
               </a:rPr>
               <a:t>PyQt5.</a:t>
@@ -6244,22 +6364,31 @@
               </a:lnSpc>
             </a:pPr>
             <a:r>
-              <a:rPr lang="en-US" sz="2000" dirty="0">
-                <a:latin typeface="Times New Roman" panose="02020603050405020304" pitchFamily="18" charset="0"/>
+              <a:rPr lang="en-US" sz="2800" dirty="0">
+                <a:solidFill>
+                  <a:srgbClr val="092856"/>
+                </a:solidFill>
+                <a:latin typeface="+mn-lt"/>
                 <a:cs typeface="Times New Roman" panose="02020603050405020304" pitchFamily="18" charset="0"/>
               </a:rPr>
               <a:t>2) </a:t>
             </a:r>
             <a:r>
-              <a:rPr lang="ru-RU" sz="2000" dirty="0">
-                <a:latin typeface="Times New Roman" panose="02020603050405020304" pitchFamily="18" charset="0"/>
+              <a:rPr lang="ru-RU" sz="2800" dirty="0">
+                <a:solidFill>
+                  <a:srgbClr val="092856"/>
+                </a:solidFill>
+                <a:latin typeface="+mn-lt"/>
                 <a:cs typeface="Times New Roman" panose="02020603050405020304" pitchFamily="18" charset="0"/>
               </a:rPr>
               <a:t>База данных, написанная на </a:t>
             </a:r>
             <a:r>
-              <a:rPr lang="en-US" sz="2000" dirty="0">
-                <a:latin typeface="Times New Roman" panose="02020603050405020304" pitchFamily="18" charset="0"/>
+              <a:rPr lang="en-US" sz="2800" dirty="0">
+                <a:solidFill>
+                  <a:srgbClr val="092856"/>
+                </a:solidFill>
+                <a:latin typeface="+mn-lt"/>
                 <a:cs typeface="Times New Roman" panose="02020603050405020304" pitchFamily="18" charset="0"/>
               </a:rPr>
               <a:t>MySQL.</a:t>
@@ -6272,21 +6401,40 @@
               </a:lnSpc>
             </a:pPr>
             <a:r>
-              <a:rPr lang="en-US" sz="2000" dirty="0">
-                <a:latin typeface="Times New Roman" panose="02020603050405020304" pitchFamily="18" charset="0"/>
+              <a:rPr lang="en-US" sz="2800" dirty="0">
+                <a:solidFill>
+                  <a:srgbClr val="092856"/>
+                </a:solidFill>
+                <a:latin typeface="+mn-lt"/>
                 <a:cs typeface="Times New Roman" panose="02020603050405020304" pitchFamily="18" charset="0"/>
               </a:rPr>
               <a:t>3) </a:t>
             </a:r>
             <a:r>
-              <a:rPr lang="ru-RU" sz="2000" dirty="0">
-                <a:latin typeface="Times New Roman" panose="02020603050405020304" pitchFamily="18" charset="0"/>
+              <a:rPr lang="ru-RU" sz="2800" dirty="0">
+                <a:solidFill>
+                  <a:srgbClr val="092856"/>
+                </a:solidFill>
+                <a:latin typeface="+mn-lt"/>
                 <a:cs typeface="Times New Roman" panose="02020603050405020304" pitchFamily="18" charset="0"/>
               </a:rPr>
-              <a:t>Внутренний функционал программы.</a:t>
+              <a:t>Внутренний функционал программы</a:t>
+            </a:r>
+            <a:r>
+              <a:rPr lang="ru-RU" sz="2000" dirty="0">
+                <a:solidFill>
+                  <a:srgbClr val="092856"/>
+                </a:solidFill>
+                <a:latin typeface="+mn-lt"/>
+                <a:cs typeface="Times New Roman" panose="02020603050405020304" pitchFamily="18" charset="0"/>
+              </a:rPr>
+              <a:t>.</a:t>
             </a:r>
             <a:endParaRPr lang="en-US" sz="2000" dirty="0">
-              <a:latin typeface="Times New Roman" panose="02020603050405020304" pitchFamily="18" charset="0"/>
+              <a:solidFill>
+                <a:srgbClr val="092856"/>
+              </a:solidFill>
+              <a:latin typeface="+mn-lt"/>
               <a:cs typeface="Times New Roman" panose="02020603050405020304" pitchFamily="18" charset="0"/>
             </a:endParaRPr>
           </a:p>
@@ -6306,8 +6454,8 @@
         </p:nvSpPr>
         <p:spPr>
           <a:xfrm>
-            <a:off x="9408368" y="1412776"/>
-            <a:ext cx="1800200" cy="400110"/>
+            <a:off x="1847528" y="332656"/>
+            <a:ext cx="4536504" cy="646331"/>
           </a:xfrm>
           <a:prstGeom prst="rect">
             <a:avLst/>
@@ -6321,8 +6469,11 @@
           <a:lstStyle/>
           <a:p>
             <a:r>
-              <a:rPr lang="ru-RU" sz="2000" dirty="0">
-                <a:latin typeface="Times New Roman" panose="02020603050405020304" pitchFamily="18" charset="0"/>
+              <a:rPr lang="ru-RU" sz="3600" dirty="0">
+                <a:solidFill>
+                  <a:srgbClr val="F05423"/>
+                </a:solidFill>
+                <a:latin typeface="+mj-lt"/>
                 <a:cs typeface="Times New Roman" panose="02020603050405020304" pitchFamily="18" charset="0"/>
               </a:rPr>
               <a:t>Архитектура</a:t>
@@ -6388,8 +6539,8 @@
         </p:nvSpPr>
         <p:spPr>
           <a:xfrm>
-            <a:off x="695400" y="2204864"/>
-            <a:ext cx="9073008" cy="2343655"/>
+            <a:off x="695400" y="1772816"/>
+            <a:ext cx="10873208" cy="3257174"/>
           </a:xfrm>
           <a:prstGeom prst="rect">
             <a:avLst/>
@@ -6408,35 +6559,50 @@
               </a:lnSpc>
             </a:pPr>
             <a:r>
-              <a:rPr lang="ru-RU" sz="2000" dirty="0">
-                <a:latin typeface="Times New Roman" panose="02020603050405020304" pitchFamily="18" charset="0"/>
+              <a:rPr lang="ru-RU" sz="2800" dirty="0">
+                <a:solidFill>
+                  <a:srgbClr val="001748"/>
+                </a:solidFill>
+                <a:latin typeface="+mn-lt"/>
                 <a:cs typeface="Times New Roman" panose="02020603050405020304" pitchFamily="18" charset="0"/>
               </a:rPr>
               <a:t>Разработку программы можно разделить на </a:t>
             </a:r>
             <a:r>
-              <a:rPr lang="en-US" sz="2000" dirty="0">
-                <a:latin typeface="Times New Roman" panose="02020603050405020304" pitchFamily="18" charset="0"/>
+              <a:rPr lang="en-US" sz="2800" dirty="0">
+                <a:solidFill>
+                  <a:srgbClr val="001748"/>
+                </a:solidFill>
+                <a:latin typeface="+mn-lt"/>
                 <a:cs typeface="Times New Roman" panose="02020603050405020304" pitchFamily="18" charset="0"/>
               </a:rPr>
               <a:t>4</a:t>
             </a:r>
             <a:r>
-              <a:rPr lang="ru-RU" sz="2000" dirty="0">
-                <a:latin typeface="Times New Roman" panose="02020603050405020304" pitchFamily="18" charset="0"/>
+              <a:rPr lang="ru-RU" sz="2800" dirty="0">
+                <a:solidFill>
+                  <a:srgbClr val="001748"/>
+                </a:solidFill>
+                <a:latin typeface="+mn-lt"/>
                 <a:cs typeface="Times New Roman" panose="02020603050405020304" pitchFamily="18" charset="0"/>
               </a:rPr>
               <a:t> этапа</a:t>
             </a:r>
             <a:r>
-              <a:rPr lang="en-US" sz="2000" dirty="0">
-                <a:latin typeface="Times New Roman" panose="02020603050405020304" pitchFamily="18" charset="0"/>
+              <a:rPr lang="en-US" sz="2800" dirty="0">
+                <a:solidFill>
+                  <a:srgbClr val="001748"/>
+                </a:solidFill>
+                <a:latin typeface="+mn-lt"/>
                 <a:cs typeface="Times New Roman" panose="02020603050405020304" pitchFamily="18" charset="0"/>
               </a:rPr>
               <a:t>:</a:t>
             </a:r>
-            <a:endParaRPr lang="ru-RU" sz="2000" dirty="0">
-              <a:latin typeface="Times New Roman" panose="02020603050405020304" pitchFamily="18" charset="0"/>
+            <a:endParaRPr lang="ru-RU" sz="2800" dirty="0">
+              <a:solidFill>
+                <a:srgbClr val="001748"/>
+              </a:solidFill>
+              <a:latin typeface="+mn-lt"/>
               <a:cs typeface="Times New Roman" panose="02020603050405020304" pitchFamily="18" charset="0"/>
             </a:endParaRPr>
           </a:p>
@@ -6447,8 +6613,11 @@
               </a:lnSpc>
             </a:pPr>
             <a:r>
-              <a:rPr lang="ru-RU" sz="2000" dirty="0">
-                <a:latin typeface="Times New Roman" panose="02020603050405020304" pitchFamily="18" charset="0"/>
+              <a:rPr lang="ru-RU" sz="2800" dirty="0">
+                <a:solidFill>
+                  <a:srgbClr val="001748"/>
+                </a:solidFill>
+                <a:latin typeface="+mn-lt"/>
                 <a:cs typeface="Times New Roman" panose="02020603050405020304" pitchFamily="18" charset="0"/>
               </a:rPr>
               <a:t>1) Разработка идей и четкое понимание окончательного результата.</a:t>
@@ -6461,22 +6630,31 @@
               </a:lnSpc>
             </a:pPr>
             <a:r>
-              <a:rPr lang="ru-RU" sz="2000" dirty="0">
-                <a:latin typeface="Times New Roman" panose="02020603050405020304" pitchFamily="18" charset="0"/>
+              <a:rPr lang="ru-RU" sz="2800" dirty="0">
+                <a:solidFill>
+                  <a:srgbClr val="001748"/>
+                </a:solidFill>
+                <a:latin typeface="+mn-lt"/>
                 <a:cs typeface="Times New Roman" panose="02020603050405020304" pitchFamily="18" charset="0"/>
               </a:rPr>
               <a:t>2) Разработка необходимых внутренних функций и файлов. (</a:t>
             </a:r>
             <a:r>
-              <a:rPr lang="en-US" sz="2000" dirty="0">
-                <a:latin typeface="Times New Roman" panose="02020603050405020304" pitchFamily="18" charset="0"/>
+              <a:rPr lang="en-US" sz="2800" dirty="0">
+                <a:solidFill>
+                  <a:srgbClr val="001748"/>
+                </a:solidFill>
+                <a:latin typeface="+mn-lt"/>
                 <a:cs typeface="Times New Roman" panose="02020603050405020304" pitchFamily="18" charset="0"/>
               </a:rPr>
               <a:t>Backend</a:t>
             </a:r>
             <a:r>
-              <a:rPr lang="ru-RU" sz="2000" dirty="0">
-                <a:latin typeface="Times New Roman" panose="02020603050405020304" pitchFamily="18" charset="0"/>
+              <a:rPr lang="ru-RU" sz="2800" dirty="0">
+                <a:solidFill>
+                  <a:srgbClr val="001748"/>
+                </a:solidFill>
+                <a:latin typeface="+mn-lt"/>
                 <a:cs typeface="Times New Roman" panose="02020603050405020304" pitchFamily="18" charset="0"/>
               </a:rPr>
               <a:t>)</a:t>
@@ -6489,21 +6667,30 @@
               </a:lnSpc>
             </a:pPr>
             <a:r>
-              <a:rPr lang="ru-RU" sz="2000" dirty="0">
-                <a:latin typeface="Times New Roman" panose="02020603050405020304" pitchFamily="18" charset="0"/>
+              <a:rPr lang="ru-RU" sz="2800" dirty="0">
+                <a:solidFill>
+                  <a:srgbClr val="001748"/>
+                </a:solidFill>
+                <a:latin typeface="+mn-lt"/>
                 <a:cs typeface="Times New Roman" panose="02020603050405020304" pitchFamily="18" charset="0"/>
               </a:rPr>
               <a:t>3) Разработка интерфейса.</a:t>
             </a:r>
             <a:r>
-              <a:rPr lang="en-US" sz="2000" dirty="0">
-                <a:latin typeface="Times New Roman" panose="02020603050405020304" pitchFamily="18" charset="0"/>
+              <a:rPr lang="en-US" sz="2800" dirty="0">
+                <a:solidFill>
+                  <a:srgbClr val="001748"/>
+                </a:solidFill>
+                <a:latin typeface="+mn-lt"/>
                 <a:cs typeface="Times New Roman" panose="02020603050405020304" pitchFamily="18" charset="0"/>
               </a:rPr>
               <a:t> (Frontend)</a:t>
             </a:r>
-            <a:endParaRPr lang="ru-RU" sz="2000" dirty="0">
-              <a:latin typeface="Times New Roman" panose="02020603050405020304" pitchFamily="18" charset="0"/>
+            <a:endParaRPr lang="ru-RU" sz="2800" dirty="0">
+              <a:solidFill>
+                <a:srgbClr val="001748"/>
+              </a:solidFill>
+              <a:latin typeface="+mn-lt"/>
               <a:cs typeface="Times New Roman" panose="02020603050405020304" pitchFamily="18" charset="0"/>
             </a:endParaRPr>
           </a:p>
@@ -6514,8 +6701,11 @@
               </a:lnSpc>
             </a:pPr>
             <a:r>
-              <a:rPr lang="ru-RU" sz="2000" dirty="0">
-                <a:latin typeface="Times New Roman" panose="02020603050405020304" pitchFamily="18" charset="0"/>
+              <a:rPr lang="ru-RU" sz="2800" dirty="0">
+                <a:solidFill>
+                  <a:srgbClr val="001748"/>
+                </a:solidFill>
+                <a:latin typeface="+mn-lt"/>
                 <a:cs typeface="Times New Roman" panose="02020603050405020304" pitchFamily="18" charset="0"/>
               </a:rPr>
               <a:t>4) Объединение интерфейса и внутренних функций.</a:t>
@@ -6537,8 +6727,8 @@
         </p:nvSpPr>
         <p:spPr>
           <a:xfrm>
-            <a:off x="8976320" y="1412776"/>
-            <a:ext cx="2448272" cy="400110"/>
+            <a:off x="1919536" y="404664"/>
+            <a:ext cx="4968552" cy="646331"/>
           </a:xfrm>
           <a:prstGeom prst="rect">
             <a:avLst/>
@@ -6552,8 +6742,11 @@
           <a:lstStyle/>
           <a:p>
             <a:r>
-              <a:rPr lang="ru-RU" sz="2000" dirty="0">
-                <a:latin typeface="Times New Roman" panose="02020603050405020304" pitchFamily="18" charset="0"/>
+              <a:rPr lang="ru-RU" sz="3600" dirty="0">
+                <a:solidFill>
+                  <a:srgbClr val="F05423"/>
+                </a:solidFill>
+                <a:latin typeface="+mn-lt"/>
                 <a:cs typeface="Times New Roman" panose="02020603050405020304" pitchFamily="18" charset="0"/>
               </a:rPr>
               <a:t>Этапы разработки</a:t>
@@ -6620,7 +6813,7 @@
         <p:spPr>
           <a:xfrm>
             <a:off x="767408" y="2204864"/>
-            <a:ext cx="7848872" cy="958660"/>
+            <a:ext cx="9793088" cy="1307537"/>
           </a:xfrm>
           <a:prstGeom prst="rect">
             <a:avLst/>
@@ -6639,21 +6832,30 @@
               </a:lnSpc>
             </a:pPr>
             <a:r>
-              <a:rPr lang="ru-RU" sz="2000" dirty="0">
-                <a:latin typeface="Times New Roman" panose="02020603050405020304" pitchFamily="18" charset="0"/>
+              <a:rPr lang="ru-RU" sz="2800" dirty="0">
+                <a:solidFill>
+                  <a:srgbClr val="001949"/>
+                </a:solidFill>
+                <a:latin typeface="+mn-lt"/>
                 <a:cs typeface="Times New Roman" panose="02020603050405020304" pitchFamily="18" charset="0"/>
               </a:rPr>
               <a:t>Демонстрацию работы данной программы можно посмотреть по данной ссылке. </a:t>
             </a:r>
             <a:r>
-              <a:rPr lang="en-US" sz="2000" dirty="0">
-                <a:latin typeface="Times New Roman" panose="02020603050405020304" pitchFamily="18" charset="0"/>
+              <a:rPr lang="en-US" sz="2800" dirty="0">
+                <a:solidFill>
+                  <a:srgbClr val="001949"/>
+                </a:solidFill>
+                <a:latin typeface="+mn-lt"/>
                 <a:cs typeface="Times New Roman" panose="02020603050405020304" pitchFamily="18" charset="0"/>
               </a:rPr>
               <a:t>https://youtu.be/bZWagEZjbP0</a:t>
             </a:r>
-            <a:endParaRPr lang="ru-RU" sz="2000" dirty="0">
-              <a:latin typeface="Times New Roman" panose="02020603050405020304" pitchFamily="18" charset="0"/>
+            <a:endParaRPr lang="ru-RU" sz="2800" dirty="0">
+              <a:solidFill>
+                <a:srgbClr val="001949"/>
+              </a:solidFill>
+              <a:latin typeface="+mn-lt"/>
               <a:cs typeface="Times New Roman" panose="02020603050405020304" pitchFamily="18" charset="0"/>
             </a:endParaRPr>
           </a:p>
@@ -6673,8 +6875,8 @@
         </p:nvSpPr>
         <p:spPr>
           <a:xfrm>
-            <a:off x="8256240" y="1484784"/>
-            <a:ext cx="3600400" cy="400110"/>
+            <a:off x="1847528" y="404664"/>
+            <a:ext cx="6552728" cy="646331"/>
           </a:xfrm>
           <a:prstGeom prst="rect">
             <a:avLst/>
@@ -6688,8 +6890,11 @@
           <a:lstStyle/>
           <a:p>
             <a:r>
-              <a:rPr lang="ru-RU" sz="2000" dirty="0">
-                <a:latin typeface="Times New Roman" panose="02020603050405020304" pitchFamily="18" charset="0"/>
+              <a:rPr lang="ru-RU" sz="3600" dirty="0">
+                <a:solidFill>
+                  <a:srgbClr val="F05423"/>
+                </a:solidFill>
+                <a:latin typeface="+mj-lt"/>
                 <a:cs typeface="Times New Roman" panose="02020603050405020304" pitchFamily="18" charset="0"/>
               </a:rPr>
               <a:t>Демонстрация результата</a:t>
@@ -6756,7 +6961,7 @@
         <p:spPr>
           <a:xfrm>
             <a:off x="767408" y="2204864"/>
-            <a:ext cx="9145016" cy="1421992"/>
+            <a:ext cx="10153128" cy="2600199"/>
           </a:xfrm>
           <a:prstGeom prst="rect">
             <a:avLst/>
@@ -6775,8 +6980,11 @@
               </a:lnSpc>
             </a:pPr>
             <a:r>
-              <a:rPr lang="ru-RU" sz="2000" dirty="0">
-                <a:latin typeface="Times New Roman" panose="02020603050405020304" pitchFamily="18" charset="0"/>
+              <a:rPr lang="ru-RU" sz="2800" dirty="0">
+                <a:solidFill>
+                  <a:srgbClr val="052452"/>
+                </a:solidFill>
+                <a:latin typeface="+mn-lt"/>
                 <a:cs typeface="Times New Roman" panose="02020603050405020304" pitchFamily="18" charset="0"/>
               </a:rPr>
               <a:t>1) В будущем будут добавлены функции ручного и автоматического составления учебного расписания.</a:t>
@@ -6789,8 +6997,11 @@
               </a:lnSpc>
             </a:pPr>
             <a:r>
-              <a:rPr lang="ru-RU" sz="2000" dirty="0">
-                <a:latin typeface="Times New Roman" panose="02020603050405020304" pitchFamily="18" charset="0"/>
+              <a:rPr lang="ru-RU" sz="2800" dirty="0">
+                <a:solidFill>
+                  <a:srgbClr val="052452"/>
+                </a:solidFill>
+                <a:latin typeface="+mn-lt"/>
                 <a:cs typeface="Times New Roman" panose="02020603050405020304" pitchFamily="18" charset="0"/>
               </a:rPr>
               <a:t>2) Будет добавлена функция кастомизации приложения под ваш вкус и цвет.</a:t>
@@ -6812,8 +7023,8 @@
         </p:nvSpPr>
         <p:spPr>
           <a:xfrm>
-            <a:off x="8300283" y="1412776"/>
-            <a:ext cx="3224282" cy="400110"/>
+            <a:off x="1847528" y="332656"/>
+            <a:ext cx="5904656" cy="646331"/>
           </a:xfrm>
           <a:prstGeom prst="rect">
             <a:avLst/>
@@ -6827,8 +7038,11 @@
           <a:lstStyle/>
           <a:p>
             <a:r>
-              <a:rPr lang="ru-RU" sz="2000" dirty="0">
-                <a:latin typeface="Times New Roman" panose="02020603050405020304" pitchFamily="18" charset="0"/>
+              <a:rPr lang="ru-RU" sz="3600" dirty="0">
+                <a:solidFill>
+                  <a:srgbClr val="F05423"/>
+                </a:solidFill>
+                <a:latin typeface="+mj-lt"/>
                 <a:cs typeface="Times New Roman" panose="02020603050405020304" pitchFamily="18" charset="0"/>
               </a:rPr>
               <a:t>Перспективы развития</a:t>
